--- a/Documente/Raport_intermediar_Prezentare_PI_P_Moloman_Minea_L4.pptx
+++ b/Documente/Raport_intermediar_Prezentare_PI_P_Moloman_Minea_L4.pptx
@@ -168,7 +168,7 @@
           <a:noFill/>
           <a:extLst>
             <a:ext uri="{909E8E84-426E-40dd-AFC4-6F175D3DCCD1}">
-              <a14:hiddenFill xmlns="" xmlns:a14="http://schemas.microsoft.com/office/drawing/2010/main">
+              <a14:hiddenFill xmlns:a14="http://schemas.microsoft.com/office/drawing/2010/main" xmlns="">
                 <a:solidFill>
                   <a:srgbClr val="FFFFFF"/>
                 </a:solidFill>
@@ -228,7 +228,7 @@
             </a:ln>
             <a:extLst>
               <a:ext uri="{91240B29-F687-4f45-9708-019B960494DF}">
-                <a14:hiddenLine xmlns="" xmlns:a14="http://schemas.microsoft.com/office/drawing/2010/main" w="9525">
+                <a14:hiddenLine xmlns:a14="http://schemas.microsoft.com/office/drawing/2010/main" xmlns="" w="9525">
                   <a:solidFill>
                     <a:srgbClr val="000000"/>
                   </a:solidFill>
@@ -318,7 +318,7 @@
             </a:ln>
             <a:extLst>
               <a:ext uri="{91240B29-F687-4f45-9708-019B960494DF}">
-                <a14:hiddenLine xmlns="" xmlns:a14="http://schemas.microsoft.com/office/drawing/2010/main" w="9525">
+                <a14:hiddenLine xmlns:a14="http://schemas.microsoft.com/office/drawing/2010/main" xmlns="" w="9525">
                   <a:solidFill>
                     <a:srgbClr val="000000"/>
                   </a:solidFill>
@@ -408,7 +408,7 @@
             </a:ln>
             <a:extLst>
               <a:ext uri="{91240B29-F687-4f45-9708-019B960494DF}">
-                <a14:hiddenLine xmlns="" xmlns:a14="http://schemas.microsoft.com/office/drawing/2010/main" w="9525">
+                <a14:hiddenLine xmlns:a14="http://schemas.microsoft.com/office/drawing/2010/main" xmlns="" w="9525">
                   <a:solidFill>
                     <a:srgbClr val="000000"/>
                   </a:solidFill>
@@ -442,7 +442,7 @@
             </a:ln>
             <a:extLst>
               <a:ext uri="{91240B29-F687-4f45-9708-019B960494DF}">
-                <a14:hiddenLine xmlns="" xmlns:a14="http://schemas.microsoft.com/office/drawing/2010/main" w="9525">
+                <a14:hiddenLine xmlns:a14="http://schemas.microsoft.com/office/drawing/2010/main" xmlns="" w="9525">
                   <a:solidFill>
                     <a:srgbClr val="000000"/>
                   </a:solidFill>
@@ -532,7 +532,7 @@
             </a:ln>
             <a:extLst>
               <a:ext uri="{91240B29-F687-4f45-9708-019B960494DF}">
-                <a14:hiddenLine xmlns="" xmlns:a14="http://schemas.microsoft.com/office/drawing/2010/main" w="9525">
+                <a14:hiddenLine xmlns:a14="http://schemas.microsoft.com/office/drawing/2010/main" xmlns="" w="9525">
                   <a:solidFill>
                     <a:srgbClr val="000000"/>
                   </a:solidFill>
@@ -594,7 +594,7 @@
             </a:ln>
             <a:extLst>
               <a:ext uri="{91240B29-F687-4f45-9708-019B960494DF}">
-                <a14:hiddenLine xmlns="" xmlns:a14="http://schemas.microsoft.com/office/drawing/2010/main" w="9525">
+                <a14:hiddenLine xmlns:a14="http://schemas.microsoft.com/office/drawing/2010/main" xmlns="" w="9525">
                   <a:solidFill>
                     <a:srgbClr val="000000"/>
                   </a:solidFill>
@@ -656,7 +656,7 @@
             </a:ln>
             <a:extLst>
               <a:ext uri="{91240B29-F687-4f45-9708-019B960494DF}">
-                <a14:hiddenLine xmlns="" xmlns:a14="http://schemas.microsoft.com/office/drawing/2010/main" w="9525">
+                <a14:hiddenLine xmlns:a14="http://schemas.microsoft.com/office/drawing/2010/main" xmlns="" w="9525">
                   <a:solidFill>
                     <a:srgbClr val="000000"/>
                   </a:solidFill>
@@ -746,7 +746,7 @@
             </a:ln>
             <a:extLst>
               <a:ext uri="{91240B29-F687-4f45-9708-019B960494DF}">
-                <a14:hiddenLine xmlns="" xmlns:a14="http://schemas.microsoft.com/office/drawing/2010/main" w="9525">
+                <a14:hiddenLine xmlns:a14="http://schemas.microsoft.com/office/drawing/2010/main" xmlns="" w="9525">
                   <a:solidFill>
                     <a:srgbClr val="000000"/>
                   </a:solidFill>
@@ -808,7 +808,7 @@
             </a:ln>
             <a:extLst>
               <a:ext uri="{91240B29-F687-4f45-9708-019B960494DF}">
-                <a14:hiddenLine xmlns="" xmlns:a14="http://schemas.microsoft.com/office/drawing/2010/main" w="9525">
+                <a14:hiddenLine xmlns:a14="http://schemas.microsoft.com/office/drawing/2010/main" xmlns="" w="9525">
                   <a:solidFill>
                     <a:srgbClr val="000000"/>
                   </a:solidFill>
@@ -870,7 +870,7 @@
             </a:ln>
             <a:extLst>
               <a:ext uri="{91240B29-F687-4f45-9708-019B960494DF}">
-                <a14:hiddenLine xmlns="" xmlns:a14="http://schemas.microsoft.com/office/drawing/2010/main" w="9525">
+                <a14:hiddenLine xmlns:a14="http://schemas.microsoft.com/office/drawing/2010/main" xmlns="" w="9525">
                   <a:solidFill>
                     <a:srgbClr val="000000"/>
                   </a:solidFill>
@@ -960,7 +960,7 @@
             </a:ln>
             <a:extLst>
               <a:ext uri="{91240B29-F687-4f45-9708-019B960494DF}">
-                <a14:hiddenLine xmlns="" xmlns:a14="http://schemas.microsoft.com/office/drawing/2010/main" w="9525">
+                <a14:hiddenLine xmlns:a14="http://schemas.microsoft.com/office/drawing/2010/main" xmlns="" w="9525">
                   <a:solidFill>
                     <a:srgbClr val="000000"/>
                   </a:solidFill>
@@ -1050,7 +1050,7 @@
             </a:ln>
             <a:extLst>
               <a:ext uri="{91240B29-F687-4f45-9708-019B960494DF}">
-                <a14:hiddenLine xmlns="" xmlns:a14="http://schemas.microsoft.com/office/drawing/2010/main" w="9525">
+                <a14:hiddenLine xmlns:a14="http://schemas.microsoft.com/office/drawing/2010/main" xmlns="" w="9525">
                   <a:solidFill>
                     <a:srgbClr val="000000"/>
                   </a:solidFill>
@@ -1112,7 +1112,7 @@
             </a:ln>
             <a:extLst>
               <a:ext uri="{91240B29-F687-4f45-9708-019B960494DF}">
-                <a14:hiddenLine xmlns="" xmlns:a14="http://schemas.microsoft.com/office/drawing/2010/main" w="9525">
+                <a14:hiddenLine xmlns:a14="http://schemas.microsoft.com/office/drawing/2010/main" xmlns="" w="9525">
                   <a:solidFill>
                     <a:srgbClr val="000000"/>
                   </a:solidFill>
@@ -1222,7 +1222,7 @@
             </a:ln>
             <a:extLst>
               <a:ext uri="{91240B29-F687-4f45-9708-019B960494DF}">
-                <a14:hiddenLine xmlns="" xmlns:a14="http://schemas.microsoft.com/office/drawing/2010/main" w="9525">
+                <a14:hiddenLine xmlns:a14="http://schemas.microsoft.com/office/drawing/2010/main" xmlns="" w="9525">
                   <a:solidFill>
                     <a:srgbClr val="000000"/>
                   </a:solidFill>
@@ -1284,7 +1284,7 @@
             </a:ln>
             <a:extLst>
               <a:ext uri="{91240B29-F687-4f45-9708-019B960494DF}">
-                <a14:hiddenLine xmlns="" xmlns:a14="http://schemas.microsoft.com/office/drawing/2010/main" w="9525">
+                <a14:hiddenLine xmlns:a14="http://schemas.microsoft.com/office/drawing/2010/main" xmlns="" w="9525">
                   <a:solidFill>
                     <a:srgbClr val="000000"/>
                   </a:solidFill>
@@ -1374,7 +1374,7 @@
             </a:ln>
             <a:extLst>
               <a:ext uri="{91240B29-F687-4f45-9708-019B960494DF}">
-                <a14:hiddenLine xmlns="" xmlns:a14="http://schemas.microsoft.com/office/drawing/2010/main" w="9525">
+                <a14:hiddenLine xmlns:a14="http://schemas.microsoft.com/office/drawing/2010/main" xmlns="" w="9525">
                   <a:solidFill>
                     <a:srgbClr val="000000"/>
                   </a:solidFill>
@@ -1464,7 +1464,7 @@
             </a:ln>
             <a:extLst>
               <a:ext uri="{91240B29-F687-4f45-9708-019B960494DF}">
-                <a14:hiddenLine xmlns="" xmlns:a14="http://schemas.microsoft.com/office/drawing/2010/main" w="9525">
+                <a14:hiddenLine xmlns:a14="http://schemas.microsoft.com/office/drawing/2010/main" xmlns="" w="9525">
                   <a:solidFill>
                     <a:srgbClr val="000000"/>
                   </a:solidFill>
@@ -1526,7 +1526,7 @@
             </a:ln>
             <a:extLst>
               <a:ext uri="{91240B29-F687-4f45-9708-019B960494DF}">
-                <a14:hiddenLine xmlns="" xmlns:a14="http://schemas.microsoft.com/office/drawing/2010/main" w="9525">
+                <a14:hiddenLine xmlns:a14="http://schemas.microsoft.com/office/drawing/2010/main" xmlns="" w="9525">
                   <a:solidFill>
                     <a:srgbClr val="000000"/>
                   </a:solidFill>
@@ -1616,7 +1616,7 @@
             </a:ln>
             <a:extLst>
               <a:ext uri="{91240B29-F687-4f45-9708-019B960494DF}">
-                <a14:hiddenLine xmlns="" xmlns:a14="http://schemas.microsoft.com/office/drawing/2010/main" w="9525">
+                <a14:hiddenLine xmlns:a14="http://schemas.microsoft.com/office/drawing/2010/main" xmlns="" w="9525">
                   <a:solidFill>
                     <a:srgbClr val="000000"/>
                   </a:solidFill>
@@ -1706,7 +1706,7 @@
             </a:ln>
             <a:extLst>
               <a:ext uri="{91240B29-F687-4f45-9708-019B960494DF}">
-                <a14:hiddenLine xmlns="" xmlns:a14="http://schemas.microsoft.com/office/drawing/2010/main" w="9525">
+                <a14:hiddenLine xmlns:a14="http://schemas.microsoft.com/office/drawing/2010/main" xmlns="" w="9525">
                   <a:solidFill>
                     <a:srgbClr val="000000"/>
                   </a:solidFill>
@@ -1762,7 +1762,7 @@
             </a:ln>
             <a:extLst>
               <a:ext uri="{91240B29-F687-4f45-9708-019B960494DF}">
-                <a14:hiddenLine xmlns="" xmlns:a14="http://schemas.microsoft.com/office/drawing/2010/main" w="9525">
+                <a14:hiddenLine xmlns:a14="http://schemas.microsoft.com/office/drawing/2010/main" xmlns="" w="9525">
                   <a:solidFill>
                     <a:srgbClr val="000000"/>
                   </a:solidFill>
@@ -1852,7 +1852,7 @@
             </a:ln>
             <a:extLst>
               <a:ext uri="{91240B29-F687-4f45-9708-019B960494DF}">
-                <a14:hiddenLine xmlns="" xmlns:a14="http://schemas.microsoft.com/office/drawing/2010/main" w="9525">
+                <a14:hiddenLine xmlns:a14="http://schemas.microsoft.com/office/drawing/2010/main" xmlns="" w="9525">
                   <a:solidFill>
                     <a:srgbClr val="000000"/>
                   </a:solidFill>
@@ -1908,7 +1908,7 @@
             </a:ln>
             <a:extLst>
               <a:ext uri="{91240B29-F687-4f45-9708-019B960494DF}">
-                <a14:hiddenLine xmlns="" xmlns:a14="http://schemas.microsoft.com/office/drawing/2010/main" w="9525">
+                <a14:hiddenLine xmlns:a14="http://schemas.microsoft.com/office/drawing/2010/main" xmlns="" w="9525">
                   <a:solidFill>
                     <a:srgbClr val="000000"/>
                   </a:solidFill>
@@ -1998,7 +1998,7 @@
             </a:ln>
             <a:extLst>
               <a:ext uri="{91240B29-F687-4f45-9708-019B960494DF}">
-                <a14:hiddenLine xmlns="" xmlns:a14="http://schemas.microsoft.com/office/drawing/2010/main" w="9525">
+                <a14:hiddenLine xmlns:a14="http://schemas.microsoft.com/office/drawing/2010/main" xmlns="" w="9525">
                   <a:solidFill>
                     <a:srgbClr val="000000"/>
                   </a:solidFill>
@@ -2066,7 +2066,7 @@
             </a:ln>
             <a:extLst>
               <a:ext uri="{91240B29-F687-4f45-9708-019B960494DF}">
-                <a14:hiddenLine xmlns="" xmlns:a14="http://schemas.microsoft.com/office/drawing/2010/main" w="9525">
+                <a14:hiddenLine xmlns:a14="http://schemas.microsoft.com/office/drawing/2010/main" xmlns="" w="9525">
                   <a:solidFill>
                     <a:srgbClr val="000000"/>
                   </a:solidFill>
@@ -2156,7 +2156,7 @@
             </a:ln>
             <a:extLst>
               <a:ext uri="{91240B29-F687-4f45-9708-019B960494DF}">
-                <a14:hiddenLine xmlns="" xmlns:a14="http://schemas.microsoft.com/office/drawing/2010/main" w="9525">
+                <a14:hiddenLine xmlns:a14="http://schemas.microsoft.com/office/drawing/2010/main" xmlns="" w="9525">
                   <a:solidFill>
                     <a:srgbClr val="000000"/>
                   </a:solidFill>
@@ -2224,7 +2224,7 @@
             </a:ln>
             <a:extLst>
               <a:ext uri="{91240B29-F687-4f45-9708-019B960494DF}">
-                <a14:hiddenLine xmlns="" xmlns:a14="http://schemas.microsoft.com/office/drawing/2010/main" w="9525">
+                <a14:hiddenLine xmlns:a14="http://schemas.microsoft.com/office/drawing/2010/main" xmlns="" w="9525">
                   <a:solidFill>
                     <a:srgbClr val="000000"/>
                   </a:solidFill>
@@ -2314,7 +2314,7 @@
             </a:ln>
             <a:extLst>
               <a:ext uri="{91240B29-F687-4f45-9708-019B960494DF}">
-                <a14:hiddenLine xmlns="" xmlns:a14="http://schemas.microsoft.com/office/drawing/2010/main" w="9525">
+                <a14:hiddenLine xmlns:a14="http://schemas.microsoft.com/office/drawing/2010/main" xmlns="" w="9525">
                   <a:solidFill>
                     <a:srgbClr val="000000"/>
                   </a:solidFill>
@@ -2348,7 +2348,7 @@
             </a:ln>
             <a:extLst>
               <a:ext uri="{91240B29-F687-4f45-9708-019B960494DF}">
-                <a14:hiddenLine xmlns="" xmlns:a14="http://schemas.microsoft.com/office/drawing/2010/main" w="9525">
+                <a14:hiddenLine xmlns:a14="http://schemas.microsoft.com/office/drawing/2010/main" xmlns="" w="9525">
                   <a:solidFill>
                     <a:srgbClr val="000000"/>
                   </a:solidFill>
@@ -2438,7 +2438,7 @@
             </a:ln>
             <a:extLst>
               <a:ext uri="{91240B29-F687-4f45-9708-019B960494DF}">
-                <a14:hiddenLine xmlns="" xmlns:a14="http://schemas.microsoft.com/office/drawing/2010/main" w="9525">
+                <a14:hiddenLine xmlns:a14="http://schemas.microsoft.com/office/drawing/2010/main" xmlns="" w="9525">
                   <a:solidFill>
                     <a:srgbClr val="000000"/>
                   </a:solidFill>
@@ -2500,7 +2500,7 @@
             </a:ln>
             <a:extLst>
               <a:ext uri="{91240B29-F687-4f45-9708-019B960494DF}">
-                <a14:hiddenLine xmlns="" xmlns:a14="http://schemas.microsoft.com/office/drawing/2010/main" w="9525">
+                <a14:hiddenLine xmlns:a14="http://schemas.microsoft.com/office/drawing/2010/main" xmlns="" w="9525">
                   <a:solidFill>
                     <a:srgbClr val="000000"/>
                   </a:solidFill>
@@ -2562,7 +2562,7 @@
             </a:ln>
             <a:extLst>
               <a:ext uri="{91240B29-F687-4f45-9708-019B960494DF}">
-                <a14:hiddenLine xmlns="" xmlns:a14="http://schemas.microsoft.com/office/drawing/2010/main" w="9525">
+                <a14:hiddenLine xmlns:a14="http://schemas.microsoft.com/office/drawing/2010/main" xmlns="" w="9525">
                   <a:solidFill>
                     <a:srgbClr val="000000"/>
                   </a:solidFill>
@@ -2652,7 +2652,7 @@
             </a:ln>
             <a:extLst>
               <a:ext uri="{91240B29-F687-4f45-9708-019B960494DF}">
-                <a14:hiddenLine xmlns="" xmlns:a14="http://schemas.microsoft.com/office/drawing/2010/main" w="9525">
+                <a14:hiddenLine xmlns:a14="http://schemas.microsoft.com/office/drawing/2010/main" xmlns="" w="9525">
                   <a:solidFill>
                     <a:srgbClr val="000000"/>
                   </a:solidFill>
@@ -2720,7 +2720,7 @@
             </a:ln>
             <a:extLst>
               <a:ext uri="{91240B29-F687-4f45-9708-019B960494DF}">
-                <a14:hiddenLine xmlns="" xmlns:a14="http://schemas.microsoft.com/office/drawing/2010/main" w="9525">
+                <a14:hiddenLine xmlns:a14="http://schemas.microsoft.com/office/drawing/2010/main" xmlns="" w="9525">
                   <a:solidFill>
                     <a:srgbClr val="000000"/>
                   </a:solidFill>
@@ -2782,7 +2782,7 @@
             </a:ln>
             <a:extLst>
               <a:ext uri="{91240B29-F687-4f45-9708-019B960494DF}">
-                <a14:hiddenLine xmlns="" xmlns:a14="http://schemas.microsoft.com/office/drawing/2010/main" w="9525">
+                <a14:hiddenLine xmlns:a14="http://schemas.microsoft.com/office/drawing/2010/main" xmlns="" w="9525">
                   <a:solidFill>
                     <a:srgbClr val="000000"/>
                   </a:solidFill>
@@ -2872,7 +2872,7 @@
             </a:ln>
             <a:extLst>
               <a:ext uri="{91240B29-F687-4f45-9708-019B960494DF}">
-                <a14:hiddenLine xmlns="" xmlns:a14="http://schemas.microsoft.com/office/drawing/2010/main" w="9525">
+                <a14:hiddenLine xmlns:a14="http://schemas.microsoft.com/office/drawing/2010/main" xmlns="" w="9525">
                   <a:solidFill>
                     <a:srgbClr val="000000"/>
                   </a:solidFill>
@@ -2934,7 +2934,7 @@
             </a:ln>
             <a:extLst>
               <a:ext uri="{91240B29-F687-4f45-9708-019B960494DF}">
-                <a14:hiddenLine xmlns="" xmlns:a14="http://schemas.microsoft.com/office/drawing/2010/main" w="9525">
+                <a14:hiddenLine xmlns:a14="http://schemas.microsoft.com/office/drawing/2010/main" xmlns="" w="9525">
                   <a:solidFill>
                     <a:srgbClr val="000000"/>
                   </a:solidFill>
@@ -3024,7 +3024,7 @@
             </a:ln>
             <a:extLst>
               <a:ext uri="{91240B29-F687-4f45-9708-019B960494DF}">
-                <a14:hiddenLine xmlns="" xmlns:a14="http://schemas.microsoft.com/office/drawing/2010/main" w="9525">
+                <a14:hiddenLine xmlns:a14="http://schemas.microsoft.com/office/drawing/2010/main" xmlns="" w="9525">
                   <a:solidFill>
                     <a:srgbClr val="000000"/>
                   </a:solidFill>
@@ -3086,7 +3086,7 @@
             </a:ln>
             <a:extLst>
               <a:ext uri="{91240B29-F687-4f45-9708-019B960494DF}">
-                <a14:hiddenLine xmlns="" xmlns:a14="http://schemas.microsoft.com/office/drawing/2010/main" w="9525">
+                <a14:hiddenLine xmlns:a14="http://schemas.microsoft.com/office/drawing/2010/main" xmlns="" w="9525">
                   <a:solidFill>
                     <a:srgbClr val="000000"/>
                   </a:solidFill>
@@ -3176,7 +3176,7 @@
             </a:ln>
             <a:extLst>
               <a:ext uri="{91240B29-F687-4f45-9708-019B960494DF}">
-                <a14:hiddenLine xmlns="" xmlns:a14="http://schemas.microsoft.com/office/drawing/2010/main" w="9525">
+                <a14:hiddenLine xmlns:a14="http://schemas.microsoft.com/office/drawing/2010/main" xmlns="" w="9525">
                   <a:solidFill>
                     <a:srgbClr val="000000"/>
                   </a:solidFill>
@@ -3210,7 +3210,7 @@
             </a:ln>
             <a:extLst>
               <a:ext uri="{91240B29-F687-4f45-9708-019B960494DF}">
-                <a14:hiddenLine xmlns="" xmlns:a14="http://schemas.microsoft.com/office/drawing/2010/main" w="9525">
+                <a14:hiddenLine xmlns:a14="http://schemas.microsoft.com/office/drawing/2010/main" xmlns="" w="9525">
                   <a:solidFill>
                     <a:srgbClr val="000000"/>
                   </a:solidFill>
@@ -3275,7 +3275,7 @@
             </a:ln>
             <a:extLst>
               <a:ext uri="{91240B29-F687-4f45-9708-019B960494DF}">
-                <a14:hiddenLine xmlns="" xmlns:a14="http://schemas.microsoft.com/office/drawing/2010/main" w="9525">
+                <a14:hiddenLine xmlns:a14="http://schemas.microsoft.com/office/drawing/2010/main" xmlns="" w="9525">
                   <a:solidFill>
                     <a:srgbClr val="000000"/>
                   </a:solidFill>
@@ -3365,7 +3365,7 @@
             </a:ln>
             <a:extLst>
               <a:ext uri="{91240B29-F687-4f45-9708-019B960494DF}">
-                <a14:hiddenLine xmlns="" xmlns:a14="http://schemas.microsoft.com/office/drawing/2010/main" w="9525">
+                <a14:hiddenLine xmlns:a14="http://schemas.microsoft.com/office/drawing/2010/main" xmlns="" w="9525">
                   <a:solidFill>
                     <a:srgbClr val="000000"/>
                   </a:solidFill>
@@ -3427,7 +3427,7 @@
             </a:ln>
             <a:extLst>
               <a:ext uri="{91240B29-F687-4f45-9708-019B960494DF}">
-                <a14:hiddenLine xmlns="" xmlns:a14="http://schemas.microsoft.com/office/drawing/2010/main" w="9525">
+                <a14:hiddenLine xmlns:a14="http://schemas.microsoft.com/office/drawing/2010/main" xmlns="" w="9525">
                   <a:solidFill>
                     <a:srgbClr val="000000"/>
                   </a:solidFill>
@@ -3517,7 +3517,7 @@
             </a:ln>
             <a:extLst>
               <a:ext uri="{91240B29-F687-4f45-9708-019B960494DF}">
-                <a14:hiddenLine xmlns="" xmlns:a14="http://schemas.microsoft.com/office/drawing/2010/main" w="9525">
+                <a14:hiddenLine xmlns:a14="http://schemas.microsoft.com/office/drawing/2010/main" xmlns="" w="9525">
                   <a:solidFill>
                     <a:srgbClr val="000000"/>
                   </a:solidFill>
@@ -3607,7 +3607,7 @@
             </a:ln>
             <a:extLst>
               <a:ext uri="{91240B29-F687-4f45-9708-019B960494DF}">
-                <a14:hiddenLine xmlns="" xmlns:a14="http://schemas.microsoft.com/office/drawing/2010/main" w="9525">
+                <a14:hiddenLine xmlns:a14="http://schemas.microsoft.com/office/drawing/2010/main" xmlns="" w="9525">
                   <a:solidFill>
                     <a:srgbClr val="000000"/>
                   </a:solidFill>
@@ -3672,7 +3672,7 @@
             </a:ln>
             <a:extLst>
               <a:ext uri="{91240B29-F687-4f45-9708-019B960494DF}">
-                <a14:hiddenLine xmlns="" xmlns:a14="http://schemas.microsoft.com/office/drawing/2010/main" w="9525">
+                <a14:hiddenLine xmlns:a14="http://schemas.microsoft.com/office/drawing/2010/main" xmlns="" w="9525">
                   <a:solidFill>
                     <a:srgbClr val="000000"/>
                   </a:solidFill>
@@ -3734,7 +3734,7 @@
             </a:ln>
             <a:extLst>
               <a:ext uri="{91240B29-F687-4f45-9708-019B960494DF}">
-                <a14:hiddenLine xmlns="" xmlns:a14="http://schemas.microsoft.com/office/drawing/2010/main" w="9525">
+                <a14:hiddenLine xmlns:a14="http://schemas.microsoft.com/office/drawing/2010/main" xmlns="" w="9525">
                   <a:solidFill>
                     <a:srgbClr val="000000"/>
                   </a:solidFill>
@@ -3824,7 +3824,7 @@
             </a:ln>
             <a:extLst>
               <a:ext uri="{91240B29-F687-4f45-9708-019B960494DF}">
-                <a14:hiddenLine xmlns="" xmlns:a14="http://schemas.microsoft.com/office/drawing/2010/main" w="9525">
+                <a14:hiddenLine xmlns:a14="http://schemas.microsoft.com/office/drawing/2010/main" xmlns="" w="9525">
                   <a:solidFill>
                     <a:srgbClr val="000000"/>
                   </a:solidFill>
@@ -3914,7 +3914,7 @@
             </a:ln>
             <a:extLst>
               <a:ext uri="{91240B29-F687-4f45-9708-019B960494DF}">
-                <a14:hiddenLine xmlns="" xmlns:a14="http://schemas.microsoft.com/office/drawing/2010/main" w="9525">
+                <a14:hiddenLine xmlns:a14="http://schemas.microsoft.com/office/drawing/2010/main" xmlns="" w="9525">
                   <a:solidFill>
                     <a:srgbClr val="000000"/>
                   </a:solidFill>
@@ -3976,7 +3976,7 @@
             </a:ln>
             <a:extLst>
               <a:ext uri="{91240B29-F687-4f45-9708-019B960494DF}">
-                <a14:hiddenLine xmlns="" xmlns:a14="http://schemas.microsoft.com/office/drawing/2010/main" w="9525">
+                <a14:hiddenLine xmlns:a14="http://schemas.microsoft.com/office/drawing/2010/main" xmlns="" w="9525">
                   <a:solidFill>
                     <a:srgbClr val="000000"/>
                   </a:solidFill>
@@ -4096,7 +4096,7 @@
             </a:ln>
             <a:extLst>
               <a:ext uri="{91240B29-F687-4f45-9708-019B960494DF}">
-                <a14:hiddenLine xmlns="" xmlns:a14="http://schemas.microsoft.com/office/drawing/2010/main" w="9525">
+                <a14:hiddenLine xmlns:a14="http://schemas.microsoft.com/office/drawing/2010/main" xmlns="" w="9525">
                   <a:solidFill>
                     <a:srgbClr val="000000"/>
                   </a:solidFill>
@@ -4164,7 +4164,7 @@
             </a:ln>
             <a:extLst>
               <a:ext uri="{91240B29-F687-4f45-9708-019B960494DF}">
-                <a14:hiddenLine xmlns="" xmlns:a14="http://schemas.microsoft.com/office/drawing/2010/main" w="9525">
+                <a14:hiddenLine xmlns:a14="http://schemas.microsoft.com/office/drawing/2010/main" xmlns="" w="9525">
                   <a:solidFill>
                     <a:srgbClr val="000000"/>
                   </a:solidFill>
@@ -4254,7 +4254,7 @@
             </a:ln>
             <a:extLst>
               <a:ext uri="{91240B29-F687-4f45-9708-019B960494DF}">
-                <a14:hiddenLine xmlns="" xmlns:a14="http://schemas.microsoft.com/office/drawing/2010/main" w="9525">
+                <a14:hiddenLine xmlns:a14="http://schemas.microsoft.com/office/drawing/2010/main" xmlns="" w="9525">
                   <a:solidFill>
                     <a:srgbClr val="000000"/>
                   </a:solidFill>
@@ -9061,7 +9061,7 @@
           <a:noFill/>
           <a:extLst>
             <a:ext uri="{909E8E84-426E-40dd-AFC4-6F175D3DCCD1}">
-              <a14:hiddenFill xmlns="" xmlns:a14="http://schemas.microsoft.com/office/drawing/2010/main">
+              <a14:hiddenFill xmlns:a14="http://schemas.microsoft.com/office/drawing/2010/main" xmlns="">
                 <a:solidFill>
                   <a:srgbClr val="FFFFFF"/>
                 </a:solidFill>
@@ -9135,7 +9135,7 @@
               </a:ln>
               <a:extLst>
                 <a:ext uri="{91240B29-F687-4f45-9708-019B960494DF}">
-                  <a14:hiddenLine xmlns="" xmlns:a14="http://schemas.microsoft.com/office/drawing/2010/main" w="9525">
+                  <a14:hiddenLine xmlns:a14="http://schemas.microsoft.com/office/drawing/2010/main" xmlns="" w="9525">
                     <a:solidFill>
                       <a:srgbClr val="000000"/>
                     </a:solidFill>
@@ -9225,7 +9225,7 @@
               </a:ln>
               <a:extLst>
                 <a:ext uri="{91240B29-F687-4f45-9708-019B960494DF}">
-                  <a14:hiddenLine xmlns="" xmlns:a14="http://schemas.microsoft.com/office/drawing/2010/main" w="9525">
+                  <a14:hiddenLine xmlns:a14="http://schemas.microsoft.com/office/drawing/2010/main" xmlns="" w="9525">
                     <a:solidFill>
                       <a:srgbClr val="000000"/>
                     </a:solidFill>
@@ -9315,7 +9315,7 @@
               </a:ln>
               <a:extLst>
                 <a:ext uri="{91240B29-F687-4f45-9708-019B960494DF}">
-                  <a14:hiddenLine xmlns="" xmlns:a14="http://schemas.microsoft.com/office/drawing/2010/main" w="9525">
+                  <a14:hiddenLine xmlns:a14="http://schemas.microsoft.com/office/drawing/2010/main" xmlns="" w="9525">
                     <a:solidFill>
                       <a:srgbClr val="000000"/>
                     </a:solidFill>
@@ -9377,7 +9377,7 @@
               </a:ln>
               <a:extLst>
                 <a:ext uri="{91240B29-F687-4f45-9708-019B960494DF}">
-                  <a14:hiddenLine xmlns="" xmlns:a14="http://schemas.microsoft.com/office/drawing/2010/main" w="9525">
+                  <a14:hiddenLine xmlns:a14="http://schemas.microsoft.com/office/drawing/2010/main" xmlns="" w="9525">
                     <a:solidFill>
                       <a:srgbClr val="000000"/>
                     </a:solidFill>
@@ -9467,7 +9467,7 @@
               </a:ln>
               <a:extLst>
                 <a:ext uri="{91240B29-F687-4f45-9708-019B960494DF}">
-                  <a14:hiddenLine xmlns="" xmlns:a14="http://schemas.microsoft.com/office/drawing/2010/main" w="9525">
+                  <a14:hiddenLine xmlns:a14="http://schemas.microsoft.com/office/drawing/2010/main" xmlns="" w="9525">
                     <a:solidFill>
                       <a:srgbClr val="000000"/>
                     </a:solidFill>
@@ -9529,7 +9529,7 @@
               </a:ln>
               <a:extLst>
                 <a:ext uri="{91240B29-F687-4f45-9708-019B960494DF}">
-                  <a14:hiddenLine xmlns="" xmlns:a14="http://schemas.microsoft.com/office/drawing/2010/main" w="9525">
+                  <a14:hiddenLine xmlns:a14="http://schemas.microsoft.com/office/drawing/2010/main" xmlns="" w="9525">
                     <a:solidFill>
                       <a:srgbClr val="000000"/>
                     </a:solidFill>
@@ -9591,7 +9591,7 @@
               </a:ln>
               <a:extLst>
                 <a:ext uri="{91240B29-F687-4f45-9708-019B960494DF}">
-                  <a14:hiddenLine xmlns="" xmlns:a14="http://schemas.microsoft.com/office/drawing/2010/main" w="9525">
+                  <a14:hiddenLine xmlns:a14="http://schemas.microsoft.com/office/drawing/2010/main" xmlns="" w="9525">
                     <a:solidFill>
                       <a:srgbClr val="000000"/>
                     </a:solidFill>
@@ -9681,7 +9681,7 @@
               </a:ln>
               <a:extLst>
                 <a:ext uri="{91240B29-F687-4f45-9708-019B960494DF}">
-                  <a14:hiddenLine xmlns="" xmlns:a14="http://schemas.microsoft.com/office/drawing/2010/main" w="9525">
+                  <a14:hiddenLine xmlns:a14="http://schemas.microsoft.com/office/drawing/2010/main" xmlns="" w="9525">
                     <a:solidFill>
                       <a:srgbClr val="000000"/>
                     </a:solidFill>
@@ -9771,7 +9771,7 @@
               </a:ln>
               <a:extLst>
                 <a:ext uri="{91240B29-F687-4f45-9708-019B960494DF}">
-                  <a14:hiddenLine xmlns="" xmlns:a14="http://schemas.microsoft.com/office/drawing/2010/main" w="9525">
+                  <a14:hiddenLine xmlns:a14="http://schemas.microsoft.com/office/drawing/2010/main" xmlns="" w="9525">
                     <a:solidFill>
                       <a:srgbClr val="000000"/>
                     </a:solidFill>
@@ -9833,7 +9833,7 @@
               </a:ln>
               <a:extLst>
                 <a:ext uri="{91240B29-F687-4f45-9708-019B960494DF}">
-                  <a14:hiddenLine xmlns="" xmlns:a14="http://schemas.microsoft.com/office/drawing/2010/main" w="9525">
+                  <a14:hiddenLine xmlns:a14="http://schemas.microsoft.com/office/drawing/2010/main" xmlns="" w="9525">
                     <a:solidFill>
                       <a:srgbClr val="000000"/>
                     </a:solidFill>
@@ -9943,7 +9943,7 @@
               </a:ln>
               <a:extLst>
                 <a:ext uri="{91240B29-F687-4f45-9708-019B960494DF}">
-                  <a14:hiddenLine xmlns="" xmlns:a14="http://schemas.microsoft.com/office/drawing/2010/main" w="9525">
+                  <a14:hiddenLine xmlns:a14="http://schemas.microsoft.com/office/drawing/2010/main" xmlns="" w="9525">
                     <a:solidFill>
                       <a:srgbClr val="000000"/>
                     </a:solidFill>
@@ -10027,7 +10027,7 @@
               </a:ln>
               <a:extLst>
                 <a:ext uri="{91240B29-F687-4f45-9708-019B960494DF}">
-                  <a14:hiddenLine xmlns="" xmlns:a14="http://schemas.microsoft.com/office/drawing/2010/main" w="9525">
+                  <a14:hiddenLine xmlns:a14="http://schemas.microsoft.com/office/drawing/2010/main" xmlns="" w="9525">
                     <a:solidFill>
                       <a:srgbClr val="000000"/>
                     </a:solidFill>
@@ -10089,7 +10089,7 @@
               </a:ln>
               <a:extLst>
                 <a:ext uri="{91240B29-F687-4f45-9708-019B960494DF}">
-                  <a14:hiddenLine xmlns="" xmlns:a14="http://schemas.microsoft.com/office/drawing/2010/main" w="9525">
+                  <a14:hiddenLine xmlns:a14="http://schemas.microsoft.com/office/drawing/2010/main" xmlns="" w="9525">
                     <a:solidFill>
                       <a:srgbClr val="000000"/>
                     </a:solidFill>
@@ -10151,7 +10151,7 @@
               </a:ln>
               <a:extLst>
                 <a:ext uri="{91240B29-F687-4f45-9708-019B960494DF}">
-                  <a14:hiddenLine xmlns="" xmlns:a14="http://schemas.microsoft.com/office/drawing/2010/main" w="9525">
+                  <a14:hiddenLine xmlns:a14="http://schemas.microsoft.com/office/drawing/2010/main" xmlns="" w="9525">
                     <a:solidFill>
                       <a:srgbClr val="000000"/>
                     </a:solidFill>
@@ -10241,7 +10241,7 @@
               </a:ln>
               <a:extLst>
                 <a:ext uri="{91240B29-F687-4f45-9708-019B960494DF}">
-                  <a14:hiddenLine xmlns="" xmlns:a14="http://schemas.microsoft.com/office/drawing/2010/main" w="9525">
+                  <a14:hiddenLine xmlns:a14="http://schemas.microsoft.com/office/drawing/2010/main" xmlns="" w="9525">
                     <a:solidFill>
                       <a:srgbClr val="000000"/>
                     </a:solidFill>
@@ -10275,7 +10275,7 @@
               </a:ln>
               <a:extLst>
                 <a:ext uri="{91240B29-F687-4f45-9708-019B960494DF}">
-                  <a14:hiddenLine xmlns="" xmlns:a14="http://schemas.microsoft.com/office/drawing/2010/main" w="9525">
+                  <a14:hiddenLine xmlns:a14="http://schemas.microsoft.com/office/drawing/2010/main" xmlns="" w="9525">
                     <a:solidFill>
                       <a:srgbClr val="000000"/>
                     </a:solidFill>
@@ -10340,7 +10340,7 @@
               </a:ln>
               <a:extLst>
                 <a:ext uri="{91240B29-F687-4f45-9708-019B960494DF}">
-                  <a14:hiddenLine xmlns="" xmlns:a14="http://schemas.microsoft.com/office/drawing/2010/main" w="9525">
+                  <a14:hiddenLine xmlns:a14="http://schemas.microsoft.com/office/drawing/2010/main" xmlns="" w="9525">
                     <a:solidFill>
                       <a:srgbClr val="000000"/>
                     </a:solidFill>
@@ -10430,7 +10430,7 @@
               </a:ln>
               <a:extLst>
                 <a:ext uri="{91240B29-F687-4f45-9708-019B960494DF}">
-                  <a14:hiddenLine xmlns="" xmlns:a14="http://schemas.microsoft.com/office/drawing/2010/main" w="9525">
+                  <a14:hiddenLine xmlns:a14="http://schemas.microsoft.com/office/drawing/2010/main" xmlns="" w="9525">
                     <a:solidFill>
                       <a:srgbClr val="000000"/>
                     </a:solidFill>
@@ -10492,7 +10492,7 @@
               </a:ln>
               <a:extLst>
                 <a:ext uri="{91240B29-F687-4f45-9708-019B960494DF}">
-                  <a14:hiddenLine xmlns="" xmlns:a14="http://schemas.microsoft.com/office/drawing/2010/main" w="9525">
+                  <a14:hiddenLine xmlns:a14="http://schemas.microsoft.com/office/drawing/2010/main" xmlns="" w="9525">
                     <a:solidFill>
                       <a:srgbClr val="000000"/>
                     </a:solidFill>
@@ -10582,7 +10582,7 @@
               </a:ln>
               <a:extLst>
                 <a:ext uri="{91240B29-F687-4f45-9708-019B960494DF}">
-                  <a14:hiddenLine xmlns="" xmlns:a14="http://schemas.microsoft.com/office/drawing/2010/main" w="9525">
+                  <a14:hiddenLine xmlns:a14="http://schemas.microsoft.com/office/drawing/2010/main" xmlns="" w="9525">
                     <a:solidFill>
                       <a:srgbClr val="000000"/>
                     </a:solidFill>
@@ -10647,7 +10647,7 @@
               </a:ln>
               <a:extLst>
                 <a:ext uri="{91240B29-F687-4f45-9708-019B960494DF}">
-                  <a14:hiddenLine xmlns="" xmlns:a14="http://schemas.microsoft.com/office/drawing/2010/main" w="9525">
+                  <a14:hiddenLine xmlns:a14="http://schemas.microsoft.com/office/drawing/2010/main" xmlns="" w="9525">
                     <a:solidFill>
                       <a:srgbClr val="000000"/>
                     </a:solidFill>
@@ -10709,7 +10709,7 @@
               </a:ln>
               <a:extLst>
                 <a:ext uri="{91240B29-F687-4f45-9708-019B960494DF}">
-                  <a14:hiddenLine xmlns="" xmlns:a14="http://schemas.microsoft.com/office/drawing/2010/main" w="9525">
+                  <a14:hiddenLine xmlns:a14="http://schemas.microsoft.com/office/drawing/2010/main" xmlns="" w="9525">
                     <a:solidFill>
                       <a:srgbClr val="000000"/>
                     </a:solidFill>
@@ -10799,7 +10799,7 @@
               </a:ln>
               <a:extLst>
                 <a:ext uri="{91240B29-F687-4f45-9708-019B960494DF}">
-                  <a14:hiddenLine xmlns="" xmlns:a14="http://schemas.microsoft.com/office/drawing/2010/main" w="9525">
+                  <a14:hiddenLine xmlns:a14="http://schemas.microsoft.com/office/drawing/2010/main" xmlns="" w="9525">
                     <a:solidFill>
                       <a:srgbClr val="000000"/>
                     </a:solidFill>
@@ -10889,7 +10889,7 @@
               </a:ln>
               <a:extLst>
                 <a:ext uri="{91240B29-F687-4f45-9708-019B960494DF}">
-                  <a14:hiddenLine xmlns="" xmlns:a14="http://schemas.microsoft.com/office/drawing/2010/main" w="9525">
+                  <a14:hiddenLine xmlns:a14="http://schemas.microsoft.com/office/drawing/2010/main" xmlns="" w="9525">
                     <a:solidFill>
                       <a:srgbClr val="000000"/>
                     </a:solidFill>
@@ -10954,7 +10954,7 @@
               </a:ln>
               <a:extLst>
                 <a:ext uri="{91240B29-F687-4f45-9708-019B960494DF}">
-                  <a14:hiddenLine xmlns="" xmlns:a14="http://schemas.microsoft.com/office/drawing/2010/main" w="9525">
+                  <a14:hiddenLine xmlns:a14="http://schemas.microsoft.com/office/drawing/2010/main" xmlns="" w="9525">
                     <a:solidFill>
                       <a:srgbClr val="000000"/>
                     </a:solidFill>
@@ -11074,7 +11074,7 @@
               </a:ln>
               <a:extLst>
                 <a:ext uri="{91240B29-F687-4f45-9708-019B960494DF}">
-                  <a14:hiddenLine xmlns="" xmlns:a14="http://schemas.microsoft.com/office/drawing/2010/main" w="9525">
+                  <a14:hiddenLine xmlns:a14="http://schemas.microsoft.com/office/drawing/2010/main" xmlns="" w="9525">
                     <a:solidFill>
                       <a:srgbClr val="000000"/>
                     </a:solidFill>
@@ -11172,7 +11172,7 @@
               </a:ln>
               <a:extLst>
                 <a:ext uri="{91240B29-F687-4f45-9708-019B960494DF}">
-                  <a14:hiddenLine xmlns="" xmlns:a14="http://schemas.microsoft.com/office/drawing/2010/main" w="9525">
+                  <a14:hiddenLine xmlns:a14="http://schemas.microsoft.com/office/drawing/2010/main" xmlns="" w="9525">
                     <a:solidFill>
                       <a:srgbClr val="000000"/>
                     </a:solidFill>
@@ -11287,7 +11287,7 @@
               </a:ln>
               <a:extLst>
                 <a:ext uri="{91240B29-F687-4f45-9708-019B960494DF}">
-                  <a14:hiddenLine xmlns="" xmlns:a14="http://schemas.microsoft.com/office/drawing/2010/main" w="9525">
+                  <a14:hiddenLine xmlns:a14="http://schemas.microsoft.com/office/drawing/2010/main" xmlns="" w="9525">
                     <a:solidFill>
                       <a:srgbClr val="000000"/>
                     </a:solidFill>
@@ -11377,7 +11377,7 @@
               </a:ln>
               <a:extLst>
                 <a:ext uri="{91240B29-F687-4f45-9708-019B960494DF}">
-                  <a14:hiddenLine xmlns="" xmlns:a14="http://schemas.microsoft.com/office/drawing/2010/main" w="9525">
+                  <a14:hiddenLine xmlns:a14="http://schemas.microsoft.com/office/drawing/2010/main" xmlns="" w="9525">
                     <a:solidFill>
                       <a:srgbClr val="000000"/>
                     </a:solidFill>
@@ -11442,7 +11442,7 @@
               </a:ln>
               <a:extLst>
                 <a:ext uri="{91240B29-F687-4f45-9708-019B960494DF}">
-                  <a14:hiddenLine xmlns="" xmlns:a14="http://schemas.microsoft.com/office/drawing/2010/main" w="9525">
+                  <a14:hiddenLine xmlns:a14="http://schemas.microsoft.com/office/drawing/2010/main" xmlns="" w="9525">
                     <a:solidFill>
                       <a:srgbClr val="000000"/>
                     </a:solidFill>
@@ -11532,7 +11532,7 @@
               </a:ln>
               <a:extLst>
                 <a:ext uri="{91240B29-F687-4f45-9708-019B960494DF}">
-                  <a14:hiddenLine xmlns="" xmlns:a14="http://schemas.microsoft.com/office/drawing/2010/main" w="9525">
+                  <a14:hiddenLine xmlns:a14="http://schemas.microsoft.com/office/drawing/2010/main" xmlns="" w="9525">
                     <a:solidFill>
                       <a:srgbClr val="000000"/>
                     </a:solidFill>
@@ -11600,7 +11600,7 @@
               </a:ln>
               <a:extLst>
                 <a:ext uri="{91240B29-F687-4f45-9708-019B960494DF}">
-                  <a14:hiddenLine xmlns="" xmlns:a14="http://schemas.microsoft.com/office/drawing/2010/main" w="9525">
+                  <a14:hiddenLine xmlns:a14="http://schemas.microsoft.com/office/drawing/2010/main" xmlns="" w="9525">
                     <a:solidFill>
                       <a:srgbClr val="000000"/>
                     </a:solidFill>
@@ -11690,7 +11690,7 @@
               </a:ln>
               <a:extLst>
                 <a:ext uri="{91240B29-F687-4f45-9708-019B960494DF}">
-                  <a14:hiddenLine xmlns="" xmlns:a14="http://schemas.microsoft.com/office/drawing/2010/main" w="9525">
+                  <a14:hiddenLine xmlns:a14="http://schemas.microsoft.com/office/drawing/2010/main" xmlns="" w="9525">
                     <a:solidFill>
                       <a:srgbClr val="000000"/>
                     </a:solidFill>
@@ -11758,7 +11758,7 @@
               </a:ln>
               <a:extLst>
                 <a:ext uri="{91240B29-F687-4f45-9708-019B960494DF}">
-                  <a14:hiddenLine xmlns="" xmlns:a14="http://schemas.microsoft.com/office/drawing/2010/main" w="9525">
+                  <a14:hiddenLine xmlns:a14="http://schemas.microsoft.com/office/drawing/2010/main" xmlns="" w="9525">
                     <a:solidFill>
                       <a:srgbClr val="000000"/>
                     </a:solidFill>
@@ -11848,7 +11848,7 @@
               </a:ln>
               <a:extLst>
                 <a:ext uri="{91240B29-F687-4f45-9708-019B960494DF}">
-                  <a14:hiddenLine xmlns="" xmlns:a14="http://schemas.microsoft.com/office/drawing/2010/main" w="9525">
+                  <a14:hiddenLine xmlns:a14="http://schemas.microsoft.com/office/drawing/2010/main" xmlns="" w="9525">
                     <a:solidFill>
                       <a:srgbClr val="000000"/>
                     </a:solidFill>
@@ -11882,7 +11882,7 @@
               </a:ln>
               <a:extLst>
                 <a:ext uri="{91240B29-F687-4f45-9708-019B960494DF}">
-                  <a14:hiddenLine xmlns="" xmlns:a14="http://schemas.microsoft.com/office/drawing/2010/main" w="9525">
+                  <a14:hiddenLine xmlns:a14="http://schemas.microsoft.com/office/drawing/2010/main" xmlns="" w="9525">
                     <a:solidFill>
                       <a:srgbClr val="000000"/>
                     </a:solidFill>
@@ -13021,114 +13021,171 @@
           <a:chExt cx="0" cy="0"/>
         </a:xfrm>
       </p:grpSpPr>
-      <p:pic>
-        <p:nvPicPr>
-          <p:cNvPr id="11" name="Picture 10">
+      <p:grpSp>
+        <p:nvGrpSpPr>
+          <p:cNvPr id="4" name="Group 3">
             <a:extLst>
               <a:ext uri="{FF2B5EF4-FFF2-40B4-BE49-F238E27FC236}">
-                <a16:creationId xmlns:a16="http://schemas.microsoft.com/office/drawing/2014/main" id="{17D9442C-AB4F-029B-34B1-78B611E86DD2}"/>
+                <a16:creationId xmlns:a16="http://schemas.microsoft.com/office/drawing/2014/main" id="{18FAFA26-A34F-1C86-115B-9DC8368D6656}"/>
               </a:ext>
             </a:extLst>
           </p:cNvPr>
-          <p:cNvPicPr>
-            <a:picLocks noChangeAspect="1"/>
-          </p:cNvPicPr>
+          <p:cNvGrpSpPr/>
           <p:nvPr/>
-        </p:nvPicPr>
-        <p:blipFill>
-          <a:blip r:embed="rId2">
-            <a:extLst>
-              <a:ext uri="{28A0092B-C50C-407E-A947-70E740481C1C}">
-                <a14:useLocalDpi xmlns:a14="http://schemas.microsoft.com/office/drawing/2010/main" val="0"/>
-              </a:ext>
-            </a:extLst>
-          </a:blip>
-          <a:stretch>
-            <a:fillRect/>
-          </a:stretch>
-        </p:blipFill>
-        <p:spPr>
+        </p:nvGrpSpPr>
+        <p:grpSpPr>
           <a:xfrm>
-            <a:off x="8734319" y="475048"/>
-            <a:ext cx="2603713" cy="5801399"/>
+            <a:off x="461125" y="528300"/>
+            <a:ext cx="11269749" cy="5801399"/>
+            <a:chOff x="237595" y="469418"/>
+            <a:chExt cx="11269749" cy="5801399"/>
           </a:xfrm>
-          <a:prstGeom prst="rect">
-            <a:avLst/>
-          </a:prstGeom>
-        </p:spPr>
-      </p:pic>
-      <p:pic>
-        <p:nvPicPr>
-          <p:cNvPr id="13" name="Picture 12">
-            <a:extLst>
-              <a:ext uri="{FF2B5EF4-FFF2-40B4-BE49-F238E27FC236}">
-                <a16:creationId xmlns:a16="http://schemas.microsoft.com/office/drawing/2014/main" id="{BAD00904-0E25-75B9-BCE7-315342666E76}"/>
-              </a:ext>
-            </a:extLst>
-          </p:cNvPr>
-          <p:cNvPicPr>
-            <a:picLocks noChangeAspect="1"/>
-          </p:cNvPicPr>
-          <p:nvPr/>
-        </p:nvPicPr>
-        <p:blipFill>
-          <a:blip r:embed="rId3">
-            <a:extLst>
-              <a:ext uri="{28A0092B-C50C-407E-A947-70E740481C1C}">
-                <a14:useLocalDpi xmlns:a14="http://schemas.microsoft.com/office/drawing/2010/main" val="0"/>
-              </a:ext>
-            </a:extLst>
-          </a:blip>
-          <a:stretch>
-            <a:fillRect/>
-          </a:stretch>
-        </p:blipFill>
-        <p:spPr>
-          <a:xfrm>
-            <a:off x="725275" y="480679"/>
-            <a:ext cx="2589426" cy="5795769"/>
-          </a:xfrm>
-          <a:prstGeom prst="rect">
-            <a:avLst/>
-          </a:prstGeom>
-        </p:spPr>
-      </p:pic>
-      <p:pic>
-        <p:nvPicPr>
-          <p:cNvPr id="15" name="Picture 14">
-            <a:extLst>
-              <a:ext uri="{FF2B5EF4-FFF2-40B4-BE49-F238E27FC236}">
-                <a16:creationId xmlns:a16="http://schemas.microsoft.com/office/drawing/2014/main" id="{57B8A65C-FB1B-8B58-BC35-619FE6062F29}"/>
-              </a:ext>
-            </a:extLst>
-          </p:cNvPr>
-          <p:cNvPicPr>
-            <a:picLocks noChangeAspect="1"/>
-          </p:cNvPicPr>
-          <p:nvPr/>
-        </p:nvPicPr>
-        <p:blipFill>
-          <a:blip r:embed="rId4">
-            <a:extLst>
-              <a:ext uri="{28A0092B-C50C-407E-A947-70E740481C1C}">
-                <a14:useLocalDpi xmlns:a14="http://schemas.microsoft.com/office/drawing/2010/main" val="0"/>
-              </a:ext>
-            </a:extLst>
-          </a:blip>
-          <a:stretch>
-            <a:fillRect/>
-          </a:stretch>
-        </p:blipFill>
-        <p:spPr>
-          <a:xfrm>
-            <a:off x="4688233" y="475048"/>
-            <a:ext cx="2672554" cy="5801399"/>
-          </a:xfrm>
-          <a:prstGeom prst="rect">
-            <a:avLst/>
-          </a:prstGeom>
-        </p:spPr>
-      </p:pic>
+        </p:grpSpPr>
+        <p:pic>
+          <p:nvPicPr>
+            <p:cNvPr id="11" name="Picture 10">
+              <a:extLst>
+                <a:ext uri="{FF2B5EF4-FFF2-40B4-BE49-F238E27FC236}">
+                  <a16:creationId xmlns:a16="http://schemas.microsoft.com/office/drawing/2014/main" id="{17D9442C-AB4F-029B-34B1-78B611E86DD2}"/>
+                </a:ext>
+              </a:extLst>
+            </p:cNvPr>
+            <p:cNvPicPr>
+              <a:picLocks noChangeAspect="1"/>
+            </p:cNvPicPr>
+            <p:nvPr/>
+          </p:nvPicPr>
+          <p:blipFill>
+            <a:blip r:embed="rId2">
+              <a:extLst>
+                <a:ext uri="{28A0092B-C50C-407E-A947-70E740481C1C}">
+                  <a14:useLocalDpi xmlns:a14="http://schemas.microsoft.com/office/drawing/2010/main" val="0"/>
+                </a:ext>
+              </a:extLst>
+            </a:blip>
+            <a:stretch>
+              <a:fillRect/>
+            </a:stretch>
+          </p:blipFill>
+          <p:spPr>
+            <a:xfrm>
+              <a:off x="3052307" y="469418"/>
+              <a:ext cx="2603713" cy="5801399"/>
+            </a:xfrm>
+            <a:prstGeom prst="rect">
+              <a:avLst/>
+            </a:prstGeom>
+          </p:spPr>
+        </p:pic>
+        <p:pic>
+          <p:nvPicPr>
+            <p:cNvPr id="13" name="Picture 12">
+              <a:extLst>
+                <a:ext uri="{FF2B5EF4-FFF2-40B4-BE49-F238E27FC236}">
+                  <a16:creationId xmlns:a16="http://schemas.microsoft.com/office/drawing/2014/main" id="{BAD00904-0E25-75B9-BCE7-315342666E76}"/>
+                </a:ext>
+              </a:extLst>
+            </p:cNvPr>
+            <p:cNvPicPr>
+              <a:picLocks noChangeAspect="1"/>
+            </p:cNvPicPr>
+            <p:nvPr/>
+          </p:nvPicPr>
+          <p:blipFill>
+            <a:blip r:embed="rId3">
+              <a:extLst>
+                <a:ext uri="{28A0092B-C50C-407E-A947-70E740481C1C}">
+                  <a14:useLocalDpi xmlns:a14="http://schemas.microsoft.com/office/drawing/2010/main" val="0"/>
+                </a:ext>
+              </a:extLst>
+            </a:blip>
+            <a:stretch>
+              <a:fillRect/>
+            </a:stretch>
+          </p:blipFill>
+          <p:spPr>
+            <a:xfrm>
+              <a:off x="237595" y="475048"/>
+              <a:ext cx="2589426" cy="5795769"/>
+            </a:xfrm>
+            <a:prstGeom prst="rect">
+              <a:avLst/>
+            </a:prstGeom>
+          </p:spPr>
+        </p:pic>
+        <p:pic>
+          <p:nvPicPr>
+            <p:cNvPr id="15" name="Picture 14">
+              <a:extLst>
+                <a:ext uri="{FF2B5EF4-FFF2-40B4-BE49-F238E27FC236}">
+                  <a16:creationId xmlns:a16="http://schemas.microsoft.com/office/drawing/2014/main" id="{57B8A65C-FB1B-8B58-BC35-619FE6062F29}"/>
+                </a:ext>
+              </a:extLst>
+            </p:cNvPr>
+            <p:cNvPicPr>
+              <a:picLocks noChangeAspect="1"/>
+            </p:cNvPicPr>
+            <p:nvPr/>
+          </p:nvPicPr>
+          <p:blipFill>
+            <a:blip r:embed="rId4">
+              <a:extLst>
+                <a:ext uri="{28A0092B-C50C-407E-A947-70E740481C1C}">
+                  <a14:useLocalDpi xmlns:a14="http://schemas.microsoft.com/office/drawing/2010/main" val="0"/>
+                </a:ext>
+              </a:extLst>
+            </a:blip>
+            <a:stretch>
+              <a:fillRect/>
+            </a:stretch>
+          </p:blipFill>
+          <p:spPr>
+            <a:xfrm>
+              <a:off x="5881307" y="469418"/>
+              <a:ext cx="2672554" cy="5801399"/>
+            </a:xfrm>
+            <a:prstGeom prst="rect">
+              <a:avLst/>
+            </a:prstGeom>
+          </p:spPr>
+        </p:pic>
+        <p:pic>
+          <p:nvPicPr>
+            <p:cNvPr id="3" name="Picture 2">
+              <a:extLst>
+                <a:ext uri="{FF2B5EF4-FFF2-40B4-BE49-F238E27FC236}">
+                  <a16:creationId xmlns:a16="http://schemas.microsoft.com/office/drawing/2014/main" id="{A6C05D1C-1E54-C53D-9F4C-AA7F0D692BEA}"/>
+                </a:ext>
+              </a:extLst>
+            </p:cNvPr>
+            <p:cNvPicPr>
+              <a:picLocks noChangeAspect="1"/>
+            </p:cNvPicPr>
+            <p:nvPr/>
+          </p:nvPicPr>
+          <p:blipFill>
+            <a:blip r:embed="rId5">
+              <a:extLst>
+                <a:ext uri="{28A0092B-C50C-407E-A947-70E740481C1C}">
+                  <a14:useLocalDpi xmlns:a14="http://schemas.microsoft.com/office/drawing/2010/main" val="0"/>
+                </a:ext>
+              </a:extLst>
+            </a:blip>
+            <a:stretch>
+              <a:fillRect/>
+            </a:stretch>
+          </p:blipFill>
+          <p:spPr>
+            <a:xfrm>
+              <a:off x="8779148" y="469418"/>
+              <a:ext cx="2728196" cy="5784081"/>
+            </a:xfrm>
+            <a:prstGeom prst="rect">
+              <a:avLst/>
+            </a:prstGeom>
+          </p:spPr>
+        </p:pic>
+      </p:grpSp>
     </p:spTree>
     <p:extLst>
       <p:ext uri="{BB962C8B-B14F-4D97-AF65-F5344CB8AC3E}">
